--- a/input/images-source/LabExampleE4Business.pptx
+++ b/input/images-source/LabExampleE4Business.pptx
@@ -104,6 +104,11 @@
       </a:defRPr>
     </a:lvl9pPr>
   </p:defaultTextStyle>
+  <p:extLst>
+    <p:ext uri="{EFAFB233-063F-42B5-8137-9DF3F51BA10A}">
+      <p15:sldGuideLst xmlns:p15="http://schemas.microsoft.com/office/powerpoint/2012/main"/>
+    </p:ext>
+  </p:extLst>
 </p:presentation>
 </file>
 
@@ -254,7 +259,7 @@
           <a:p>
             <a:fld id="{264F90B7-CE08-48C5-AA49-C0D5C3041767}" type="datetimeFigureOut">
               <a:rPr lang="fr-FR" smtClean="0"/>
-              <a:t>11/02/2020</a:t>
+              <a:t>12/06/2020</a:t>
             </a:fld>
             <a:endParaRPr lang="fr-FR"/>
           </a:p>
@@ -452,7 +457,7 @@
           <a:p>
             <a:fld id="{264F90B7-CE08-48C5-AA49-C0D5C3041767}" type="datetimeFigureOut">
               <a:rPr lang="fr-FR" smtClean="0"/>
-              <a:t>11/02/2020</a:t>
+              <a:t>12/06/2020</a:t>
             </a:fld>
             <a:endParaRPr lang="fr-FR"/>
           </a:p>
@@ -660,7 +665,7 @@
           <a:p>
             <a:fld id="{264F90B7-CE08-48C5-AA49-C0D5C3041767}" type="datetimeFigureOut">
               <a:rPr lang="fr-FR" smtClean="0"/>
-              <a:t>11/02/2020</a:t>
+              <a:t>12/06/2020</a:t>
             </a:fld>
             <a:endParaRPr lang="fr-FR"/>
           </a:p>
@@ -858,7 +863,7 @@
           <a:p>
             <a:fld id="{264F90B7-CE08-48C5-AA49-C0D5C3041767}" type="datetimeFigureOut">
               <a:rPr lang="fr-FR" smtClean="0"/>
-              <a:t>11/02/2020</a:t>
+              <a:t>12/06/2020</a:t>
             </a:fld>
             <a:endParaRPr lang="fr-FR"/>
           </a:p>
@@ -1133,7 +1138,7 @@
           <a:p>
             <a:fld id="{264F90B7-CE08-48C5-AA49-C0D5C3041767}" type="datetimeFigureOut">
               <a:rPr lang="fr-FR" smtClean="0"/>
-              <a:t>11/02/2020</a:t>
+              <a:t>12/06/2020</a:t>
             </a:fld>
             <a:endParaRPr lang="fr-FR"/>
           </a:p>
@@ -1398,7 +1403,7 @@
           <a:p>
             <a:fld id="{264F90B7-CE08-48C5-AA49-C0D5C3041767}" type="datetimeFigureOut">
               <a:rPr lang="fr-FR" smtClean="0"/>
-              <a:t>11/02/2020</a:t>
+              <a:t>12/06/2020</a:t>
             </a:fld>
             <a:endParaRPr lang="fr-FR"/>
           </a:p>
@@ -1810,7 +1815,7 @@
           <a:p>
             <a:fld id="{264F90B7-CE08-48C5-AA49-C0D5C3041767}" type="datetimeFigureOut">
               <a:rPr lang="fr-FR" smtClean="0"/>
-              <a:t>11/02/2020</a:t>
+              <a:t>12/06/2020</a:t>
             </a:fld>
             <a:endParaRPr lang="fr-FR"/>
           </a:p>
@@ -1951,7 +1956,7 @@
           <a:p>
             <a:fld id="{264F90B7-CE08-48C5-AA49-C0D5C3041767}" type="datetimeFigureOut">
               <a:rPr lang="fr-FR" smtClean="0"/>
-              <a:t>11/02/2020</a:t>
+              <a:t>12/06/2020</a:t>
             </a:fld>
             <a:endParaRPr lang="fr-FR"/>
           </a:p>
@@ -2064,7 +2069,7 @@
           <a:p>
             <a:fld id="{264F90B7-CE08-48C5-AA49-C0D5C3041767}" type="datetimeFigureOut">
               <a:rPr lang="fr-FR" smtClean="0"/>
-              <a:t>11/02/2020</a:t>
+              <a:t>12/06/2020</a:t>
             </a:fld>
             <a:endParaRPr lang="fr-FR"/>
           </a:p>
@@ -2375,7 +2380,7 @@
           <a:p>
             <a:fld id="{264F90B7-CE08-48C5-AA49-C0D5C3041767}" type="datetimeFigureOut">
               <a:rPr lang="fr-FR" smtClean="0"/>
-              <a:t>11/02/2020</a:t>
+              <a:t>12/06/2020</a:t>
             </a:fld>
             <a:endParaRPr lang="fr-FR"/>
           </a:p>
@@ -2663,7 +2668,7 @@
           <a:p>
             <a:fld id="{264F90B7-CE08-48C5-AA49-C0D5C3041767}" type="datetimeFigureOut">
               <a:rPr lang="fr-FR" smtClean="0"/>
-              <a:t>11/02/2020</a:t>
+              <a:t>12/06/2020</a:t>
             </a:fld>
             <a:endParaRPr lang="fr-FR"/>
           </a:p>
@@ -2904,7 +2909,7 @@
           <a:p>
             <a:fld id="{264F90B7-CE08-48C5-AA49-C0D5C3041767}" type="datetimeFigureOut">
               <a:rPr lang="fr-FR" smtClean="0"/>
-              <a:t>11/02/2020</a:t>
+              <a:t>12/06/2020</a:t>
             </a:fld>
             <a:endParaRPr lang="fr-FR"/>
           </a:p>
@@ -3323,10 +3328,10 @@
       </p:grpSpPr>
       <p:sp>
         <p:nvSpPr>
-          <p:cNvPr id="43" name="TextBox 42">
-            <a:extLst>
-              <a:ext uri="{FF2B5EF4-FFF2-40B4-BE49-F238E27FC236}">
-                <a16:creationId xmlns:a16="http://schemas.microsoft.com/office/drawing/2014/main" id="{5B5179A0-7416-46FA-8ED4-892CB8EDB4ED}"/>
+          <p:cNvPr id="20" name="TextBox 42">
+            <a:extLst>
+              <a:ext uri="{FF2B5EF4-FFF2-40B4-BE49-F238E27FC236}">
+                <a16:creationId xmlns:a16="http://schemas.microsoft.com/office/drawing/2014/main" id="{621D517C-A800-445F-B79F-5B015C1F064C}"/>
               </a:ext>
             </a:extLst>
           </p:cNvPr>
@@ -3364,21 +3369,21 @@
           <a:p>
             <a:pPr algn="ctr"/>
             <a:r>
-              <a:rPr lang="en-US" sz="1600" dirty="0"/>
+              <a:rPr lang="en-US" sz="1600"/>
               <a:t>LOINC 2160-0</a:t>
             </a:r>
           </a:p>
           <a:p>
             <a:pPr algn="ctr"/>
             <a:r>
-              <a:rPr lang="en-US" sz="1600" dirty="0"/>
+              <a:rPr lang="en-US" sz="1600"/>
               <a:t>status: active</a:t>
             </a:r>
           </a:p>
           <a:p>
             <a:pPr algn="ctr"/>
             <a:r>
-              <a:rPr lang="en-US" sz="1600" dirty="0"/>
+              <a:rPr lang="en-US" sz="1600"/>
               <a:t>…</a:t>
             </a:r>
           </a:p>
@@ -3386,10 +3391,10 @@
       </p:sp>
       <p:sp>
         <p:nvSpPr>
-          <p:cNvPr id="45" name="TextBox 44">
-            <a:extLst>
-              <a:ext uri="{FF2B5EF4-FFF2-40B4-BE49-F238E27FC236}">
-                <a16:creationId xmlns:a16="http://schemas.microsoft.com/office/drawing/2014/main" id="{6E3939E8-FD23-4AF0-AC08-FFDEBA850058}"/>
+          <p:cNvPr id="21" name="TextBox 44">
+            <a:extLst>
+              <a:ext uri="{FF2B5EF4-FFF2-40B4-BE49-F238E27FC236}">
+                <a16:creationId xmlns:a16="http://schemas.microsoft.com/office/drawing/2014/main" id="{68D5414F-875D-41FC-B43E-42904748D25E}"/>
               </a:ext>
             </a:extLst>
           </p:cNvPr>
@@ -3429,26 +3434,26 @@
           <a:p>
             <a:pPr algn="ctr"/>
             <a:r>
-              <a:rPr lang="en-US" b="1" dirty="0"/>
+              <a:rPr lang="en-US" b="1"/>
               <a:t>Serum creatinine</a:t>
             </a:r>
-            <a:endParaRPr lang="en-US" sz="2400" b="1" dirty="0"/>
+            <a:endParaRPr lang="en-US" sz="2400" b="1"/>
           </a:p>
         </p:txBody>
       </p:sp>
       <p:cxnSp>
         <p:nvCxnSpPr>
-          <p:cNvPr id="48" name="Connecteur droit avec flèche 47">
-            <a:extLst>
-              <a:ext uri="{FF2B5EF4-FFF2-40B4-BE49-F238E27FC236}">
-                <a16:creationId xmlns:a16="http://schemas.microsoft.com/office/drawing/2014/main" id="{561C305E-D55A-4953-875F-EB67465D015E}"/>
+          <p:cNvPr id="24" name="Connecteur droit avec flèche 23">
+            <a:extLst>
+              <a:ext uri="{FF2B5EF4-FFF2-40B4-BE49-F238E27FC236}">
+                <a16:creationId xmlns:a16="http://schemas.microsoft.com/office/drawing/2014/main" id="{3CA1439E-74D3-43FA-BF10-476C3853F1D8}"/>
               </a:ext>
             </a:extLst>
           </p:cNvPr>
           <p:cNvCxnSpPr>
             <a:cxnSpLocks/>
-            <a:stCxn id="43" idx="2"/>
-            <a:endCxn id="64" idx="0"/>
+            <a:stCxn id="20" idx="2"/>
+            <a:endCxn id="38" idx="0"/>
           </p:cNvCxnSpPr>
           <p:nvPr/>
         </p:nvCxnSpPr>
@@ -3486,10 +3491,10 @@
       </p:cxnSp>
       <p:sp>
         <p:nvSpPr>
-          <p:cNvPr id="13" name="ZoneTexte 12">
-            <a:extLst>
-              <a:ext uri="{FF2B5EF4-FFF2-40B4-BE49-F238E27FC236}">
-                <a16:creationId xmlns:a16="http://schemas.microsoft.com/office/drawing/2014/main" id="{E8ACFA21-810D-4C32-90B4-C3E35F4D9284}"/>
+          <p:cNvPr id="25" name="ZoneTexte 24">
+            <a:extLst>
+              <a:ext uri="{FF2B5EF4-FFF2-40B4-BE49-F238E27FC236}">
+                <a16:creationId xmlns:a16="http://schemas.microsoft.com/office/drawing/2014/main" id="{6BE0F957-FE14-4876-9AAB-FE65FB0C5060}"/>
               </a:ext>
             </a:extLst>
           </p:cNvPr>
@@ -3516,7 +3521,7 @@
           <a:p>
             <a:pPr algn="ctr"/>
             <a:r>
-              <a:rPr lang="en-US" dirty="0">
+              <a:rPr lang="en-US">
                 <a:solidFill>
                   <a:schemeClr val="accent6">
                     <a:lumMod val="75000"/>
@@ -3530,10 +3535,10 @@
       </p:sp>
       <p:sp>
         <p:nvSpPr>
-          <p:cNvPr id="29" name="Flèche : droite 28">
-            <a:extLst>
-              <a:ext uri="{FF2B5EF4-FFF2-40B4-BE49-F238E27FC236}">
-                <a16:creationId xmlns:a16="http://schemas.microsoft.com/office/drawing/2014/main" id="{AAAB9118-BA6F-4C49-962D-E3008DAA68C0}"/>
+          <p:cNvPr id="26" name="Flèche : droite 25">
+            <a:extLst>
+              <a:ext uri="{FF2B5EF4-FFF2-40B4-BE49-F238E27FC236}">
+                <a16:creationId xmlns:a16="http://schemas.microsoft.com/office/drawing/2014/main" id="{7768F6FD-2E41-4334-88CA-5E4D4E1A3E0D}"/>
               </a:ext>
             </a:extLst>
           </p:cNvPr>
@@ -3584,10 +3589,10 @@
       </p:sp>
       <p:sp>
         <p:nvSpPr>
-          <p:cNvPr id="63" name="TextBox 63">
-            <a:extLst>
-              <a:ext uri="{FF2B5EF4-FFF2-40B4-BE49-F238E27FC236}">
-                <a16:creationId xmlns:a16="http://schemas.microsoft.com/office/drawing/2014/main" id="{A32B4C2C-2F5F-4FBB-9A30-86CB63722763}"/>
+          <p:cNvPr id="30" name="TextBox 63">
+            <a:extLst>
+              <a:ext uri="{FF2B5EF4-FFF2-40B4-BE49-F238E27FC236}">
+                <a16:creationId xmlns:a16="http://schemas.microsoft.com/office/drawing/2014/main" id="{E4B36D63-A444-4430-89D8-C3C2FA0B4693}"/>
               </a:ext>
             </a:extLst>
           </p:cNvPr>
@@ -3632,14 +3637,14 @@
           <a:p>
             <a:pPr algn="ctr"/>
             <a:r>
-              <a:rPr lang="en-US" sz="1600" dirty="0"/>
+              <a:rPr lang="en-US" sz="1600"/>
               <a:t>LOINC 2160-0</a:t>
             </a:r>
           </a:p>
           <a:p>
             <a:pPr algn="ctr"/>
             <a:r>
-              <a:rPr lang="en-US" sz="1600" dirty="0"/>
+              <a:rPr lang="en-US" sz="1600"/>
               <a:t>mg/dL</a:t>
             </a:r>
           </a:p>
@@ -3647,10 +3652,10 @@
       </p:sp>
       <p:sp>
         <p:nvSpPr>
-          <p:cNvPr id="64" name="TextBox 64">
-            <a:extLst>
-              <a:ext uri="{FF2B5EF4-FFF2-40B4-BE49-F238E27FC236}">
-                <a16:creationId xmlns:a16="http://schemas.microsoft.com/office/drawing/2014/main" id="{B9239B60-2572-4A89-AB12-A0894855E2A1}"/>
+          <p:cNvPr id="38" name="TextBox 64">
+            <a:extLst>
+              <a:ext uri="{FF2B5EF4-FFF2-40B4-BE49-F238E27FC236}">
+                <a16:creationId xmlns:a16="http://schemas.microsoft.com/office/drawing/2014/main" id="{DF33F5E9-C0EC-4FE0-A926-E90DD88D17CC}"/>
               </a:ext>
             </a:extLst>
           </p:cNvPr>
@@ -3700,19 +3705,19 @@
           <a:p>
             <a:pPr algn="ctr"/>
             <a:r>
-              <a:rPr lang="en-US" dirty="0"/>
+              <a:rPr lang="en-US"/>
               <a:t>Serum creatinine</a:t>
             </a:r>
-            <a:endParaRPr lang="en-US" sz="2400" dirty="0"/>
-          </a:p>
-        </p:txBody>
-      </p:sp>
-      <p:sp>
-        <p:nvSpPr>
-          <p:cNvPr id="27" name="Titre 1">
-            <a:extLst>
-              <a:ext uri="{FF2B5EF4-FFF2-40B4-BE49-F238E27FC236}">
-                <a16:creationId xmlns:a16="http://schemas.microsoft.com/office/drawing/2014/main" id="{89E88535-CF7D-4F44-9EE2-CF7FF587E874}"/>
+            <a:endParaRPr lang="en-US" sz="2400"/>
+          </a:p>
+        </p:txBody>
+      </p:sp>
+      <p:sp>
+        <p:nvSpPr>
+          <p:cNvPr id="39" name="Titre 1">
+            <a:extLst>
+              <a:ext uri="{FF2B5EF4-FFF2-40B4-BE49-F238E27FC236}">
+                <a16:creationId xmlns:a16="http://schemas.microsoft.com/office/drawing/2014/main" id="{B013AF6F-5E60-484E-B840-063B74778D8D}"/>
               </a:ext>
             </a:extLst>
           </p:cNvPr>
@@ -3759,7 +3764,7 @@
           <a:p>
             <a:pPr algn="l"/>
             <a:r>
-              <a:rPr lang="en-US" sz="3200" dirty="0"/>
+              <a:rPr lang="en-US" sz="3200"/>
               <a:t>Example E4: single test “serum creatinine”, orderable</a:t>
             </a:r>
           </a:p>
@@ -3767,10 +3772,10 @@
       </p:sp>
       <p:sp>
         <p:nvSpPr>
-          <p:cNvPr id="22" name="TextBox 46">
-            <a:extLst>
-              <a:ext uri="{FF2B5EF4-FFF2-40B4-BE49-F238E27FC236}">
-                <a16:creationId xmlns:a16="http://schemas.microsoft.com/office/drawing/2014/main" id="{95462CD8-17AC-4736-81A3-9E305F6D180F}"/>
+          <p:cNvPr id="40" name="TextBox 46">
+            <a:extLst>
+              <a:ext uri="{FF2B5EF4-FFF2-40B4-BE49-F238E27FC236}">
+                <a16:creationId xmlns:a16="http://schemas.microsoft.com/office/drawing/2014/main" id="{A659C92D-2555-44BE-AF5A-8FC7D8312229}"/>
               </a:ext>
             </a:extLst>
           </p:cNvPr>
@@ -3816,14 +3821,14 @@
           <a:p>
             <a:pPr algn="ctr"/>
             <a:r>
-              <a:rPr lang="en-US" sz="1600" dirty="0"/>
+              <a:rPr lang="en-US" sz="1600"/>
               <a:t>Preferred: Serum, yellow cap</a:t>
             </a:r>
           </a:p>
           <a:p>
             <a:pPr algn="ctr"/>
             <a:r>
-              <a:rPr lang="en-US" sz="1600" dirty="0"/>
+              <a:rPr lang="en-US" sz="1600"/>
               <a:t>minimum volume …</a:t>
             </a:r>
           </a:p>
@@ -3831,10 +3836,10 @@
       </p:sp>
       <p:sp>
         <p:nvSpPr>
-          <p:cNvPr id="23" name="TextBox 48">
-            <a:extLst>
-              <a:ext uri="{FF2B5EF4-FFF2-40B4-BE49-F238E27FC236}">
-                <a16:creationId xmlns:a16="http://schemas.microsoft.com/office/drawing/2014/main" id="{B9625442-264E-4038-A6DB-16B50762D707}"/>
+          <p:cNvPr id="41" name="TextBox 48">
+            <a:extLst>
+              <a:ext uri="{FF2B5EF4-FFF2-40B4-BE49-F238E27FC236}">
+                <a16:creationId xmlns:a16="http://schemas.microsoft.com/office/drawing/2014/main" id="{EC1713AB-FE0F-4FBC-9937-F96C70E51DA3}"/>
               </a:ext>
             </a:extLst>
           </p:cNvPr>
@@ -3887,25 +3892,25 @@
           <a:p>
             <a:pPr algn="ctr"/>
             <a:r>
-              <a:rPr lang="en-US" dirty="0"/>
+              <a:rPr lang="en-US"/>
               <a:t>Venous blood specimen</a:t>
             </a:r>
-            <a:endParaRPr lang="en-US" sz="2400" dirty="0"/>
+            <a:endParaRPr lang="en-US" sz="2400"/>
           </a:p>
         </p:txBody>
       </p:sp>
       <p:cxnSp>
         <p:nvCxnSpPr>
-          <p:cNvPr id="28" name="Straight Arrow Connector 7">
-            <a:extLst>
-              <a:ext uri="{FF2B5EF4-FFF2-40B4-BE49-F238E27FC236}">
-                <a16:creationId xmlns:a16="http://schemas.microsoft.com/office/drawing/2014/main" id="{B477CBA8-94A8-4D97-9EDA-645807101060}"/>
+          <p:cNvPr id="42" name="Straight Arrow Connector 7">
+            <a:extLst>
+              <a:ext uri="{FF2B5EF4-FFF2-40B4-BE49-F238E27FC236}">
+                <a16:creationId xmlns:a16="http://schemas.microsoft.com/office/drawing/2014/main" id="{BC6B2E4D-14B2-4590-BCFE-280B73BC0C5B}"/>
               </a:ext>
             </a:extLst>
           </p:cNvPr>
           <p:cNvCxnSpPr>
             <a:cxnSpLocks/>
-            <a:stCxn id="43" idx="3"/>
+            <a:stCxn id="20" idx="3"/>
           </p:cNvCxnSpPr>
           <p:nvPr/>
         </p:nvCxnSpPr>
@@ -3938,10 +3943,10 @@
       </p:cxnSp>
       <p:sp>
         <p:nvSpPr>
-          <p:cNvPr id="31" name="TextBox 46">
-            <a:extLst>
-              <a:ext uri="{FF2B5EF4-FFF2-40B4-BE49-F238E27FC236}">
-                <a16:creationId xmlns:a16="http://schemas.microsoft.com/office/drawing/2014/main" id="{AB06BCA1-1830-4416-9760-17E6D47923FC}"/>
+          <p:cNvPr id="44" name="TextBox 46">
+            <a:extLst>
+              <a:ext uri="{FF2B5EF4-FFF2-40B4-BE49-F238E27FC236}">
+                <a16:creationId xmlns:a16="http://schemas.microsoft.com/office/drawing/2014/main" id="{2A1CA753-8224-4761-A232-7A9816C10D51}"/>
               </a:ext>
             </a:extLst>
           </p:cNvPr>
@@ -3987,14 +3992,14 @@
           <a:p>
             <a:pPr algn="ctr"/>
             <a:r>
-              <a:rPr lang="en-US" sz="1600" dirty="0"/>
+              <a:rPr lang="en-US" sz="1600"/>
               <a:t>Alternate: Plasma, green cap</a:t>
             </a:r>
           </a:p>
           <a:p>
             <a:pPr algn="ctr"/>
             <a:r>
-              <a:rPr lang="en-US" sz="1600" dirty="0"/>
+              <a:rPr lang="en-US" sz="1600"/>
               <a:t>minimum volume …</a:t>
             </a:r>
           </a:p>
@@ -4002,10 +4007,10 @@
       </p:sp>
       <p:sp>
         <p:nvSpPr>
-          <p:cNvPr id="32" name="TextBox 46">
-            <a:extLst>
-              <a:ext uri="{FF2B5EF4-FFF2-40B4-BE49-F238E27FC236}">
-                <a16:creationId xmlns:a16="http://schemas.microsoft.com/office/drawing/2014/main" id="{C0068598-B4A1-44F5-8F33-24E386FBE09B}"/>
+          <p:cNvPr id="46" name="TextBox 46">
+            <a:extLst>
+              <a:ext uri="{FF2B5EF4-FFF2-40B4-BE49-F238E27FC236}">
+                <a16:creationId xmlns:a16="http://schemas.microsoft.com/office/drawing/2014/main" id="{DB7EFFF4-3A06-48BF-8C98-0E79D64B1FBA}"/>
               </a:ext>
             </a:extLst>
           </p:cNvPr>
@@ -4051,7 +4056,7 @@
           <a:p>
             <a:pPr algn="ctr"/>
             <a:r>
-              <a:rPr lang="en-US" sz="1600" dirty="0"/>
+              <a:rPr lang="en-US" sz="1600"/>
               <a:t>container …</a:t>
             </a:r>
           </a:p>
@@ -4059,10 +4064,10 @@
       </p:sp>
       <p:sp>
         <p:nvSpPr>
-          <p:cNvPr id="33" name="TextBox 48">
-            <a:extLst>
-              <a:ext uri="{FF2B5EF4-FFF2-40B4-BE49-F238E27FC236}">
-                <a16:creationId xmlns:a16="http://schemas.microsoft.com/office/drawing/2014/main" id="{2B34DAFB-2326-4D16-BAEF-E67B7A783B17}"/>
+          <p:cNvPr id="47" name="TextBox 48">
+            <a:extLst>
+              <a:ext uri="{FF2B5EF4-FFF2-40B4-BE49-F238E27FC236}">
+                <a16:creationId xmlns:a16="http://schemas.microsoft.com/office/drawing/2014/main" id="{389B7D7E-C0B7-4CD9-BF64-FD3D7056CDAA}"/>
               </a:ext>
             </a:extLst>
           </p:cNvPr>
@@ -4115,26 +4120,26 @@
           <a:p>
             <a:pPr algn="ctr"/>
             <a:r>
-              <a:rPr lang="en-US" dirty="0"/>
+              <a:rPr lang="en-US"/>
               <a:t>Capillary blood specimen</a:t>
             </a:r>
-            <a:endParaRPr lang="en-US" sz="2400" dirty="0"/>
+            <a:endParaRPr lang="en-US" sz="2400"/>
           </a:p>
         </p:txBody>
       </p:sp>
       <p:cxnSp>
         <p:nvCxnSpPr>
-          <p:cNvPr id="34" name="Straight Arrow Connector 7">
-            <a:extLst>
-              <a:ext uri="{FF2B5EF4-FFF2-40B4-BE49-F238E27FC236}">
-                <a16:creationId xmlns:a16="http://schemas.microsoft.com/office/drawing/2014/main" id="{47767661-9530-43B7-ACEE-19CA051434AC}"/>
+          <p:cNvPr id="49" name="Straight Arrow Connector 7">
+            <a:extLst>
+              <a:ext uri="{FF2B5EF4-FFF2-40B4-BE49-F238E27FC236}">
+                <a16:creationId xmlns:a16="http://schemas.microsoft.com/office/drawing/2014/main" id="{738753C5-DF92-4E58-BD94-6873EF68E422}"/>
               </a:ext>
             </a:extLst>
           </p:cNvPr>
           <p:cNvCxnSpPr>
             <a:cxnSpLocks/>
-            <a:stCxn id="43" idx="3"/>
-            <a:endCxn id="33" idx="1"/>
+            <a:stCxn id="20" idx="3"/>
+            <a:endCxn id="47" idx="1"/>
           </p:cNvCxnSpPr>
           <p:nvPr/>
         </p:nvCxnSpPr>
@@ -4165,74 +4170,25 @@
           </a:fontRef>
         </p:style>
       </p:cxnSp>
-      <p:sp>
-        <p:nvSpPr>
-          <p:cNvPr id="35" name="Ellipse 34">
-            <a:extLst>
-              <a:ext uri="{FF2B5EF4-FFF2-40B4-BE49-F238E27FC236}">
-                <a16:creationId xmlns:a16="http://schemas.microsoft.com/office/drawing/2014/main" id="{C54F2BCC-DE9D-4305-AB22-49C91DA3AC37}"/>
-              </a:ext>
-            </a:extLst>
-          </p:cNvPr>
-          <p:cNvSpPr/>
-          <p:nvPr/>
-        </p:nvSpPr>
-        <p:spPr>
-          <a:xfrm>
-            <a:off x="5037693" y="2893092"/>
-            <a:ext cx="520539" cy="520539"/>
-          </a:xfrm>
-          <a:prstGeom prst="ellipse">
-            <a:avLst/>
-          </a:prstGeom>
-        </p:spPr>
-        <p:style>
-          <a:lnRef idx="2">
-            <a:schemeClr val="accent1">
-              <a:shade val="50000"/>
-            </a:schemeClr>
-          </a:lnRef>
-          <a:fillRef idx="1">
-            <a:schemeClr val="accent1"/>
-          </a:fillRef>
-          <a:effectRef idx="0">
-            <a:schemeClr val="accent1"/>
-          </a:effectRef>
-          <a:fontRef idx="minor">
-            <a:schemeClr val="lt1"/>
-          </a:fontRef>
-        </p:style>
-        <p:txBody>
-          <a:bodyPr lIns="0" tIns="0" rIns="0" bIns="0" rtlCol="0" anchor="ctr"/>
-          <a:lstStyle/>
-          <a:p>
-            <a:pPr algn="ctr"/>
-            <a:r>
-              <a:rPr lang="fr-FR" sz="1600" dirty="0"/>
-              <a:t>XOR</a:t>
-            </a:r>
-          </a:p>
-        </p:txBody>
-      </p:sp>
       <p:cxnSp>
         <p:nvCxnSpPr>
-          <p:cNvPr id="36" name="Connecteur : en arc 35">
-            <a:extLst>
-              <a:ext uri="{FF2B5EF4-FFF2-40B4-BE49-F238E27FC236}">
-                <a16:creationId xmlns:a16="http://schemas.microsoft.com/office/drawing/2014/main" id="{4EF7A1B8-8325-452E-8D9A-F70B5D5ABF47}"/>
+          <p:cNvPr id="50" name="Connecteur : en arc 49">
+            <a:extLst>
+              <a:ext uri="{FF2B5EF4-FFF2-40B4-BE49-F238E27FC236}">
+                <a16:creationId xmlns:a16="http://schemas.microsoft.com/office/drawing/2014/main" id="{73FAFECB-C030-44FF-B3E9-54EB5AD04E14}"/>
               </a:ext>
             </a:extLst>
           </p:cNvPr>
           <p:cNvCxnSpPr>
             <a:cxnSpLocks/>
-            <a:stCxn id="35" idx="0"/>
+            <a:stCxn id="52" idx="0"/>
           </p:cNvCxnSpPr>
           <p:nvPr/>
         </p:nvCxnSpPr>
         <p:spPr>
           <a:xfrm rot="16200000" flipV="1">
-            <a:off x="5178036" y="2773165"/>
-            <a:ext cx="155014" cy="84840"/>
+            <a:off x="5148614" y="2802590"/>
+            <a:ext cx="306220" cy="177197"/>
           </a:xfrm>
           <a:prstGeom prst="curvedConnector3">
             <a:avLst/>
@@ -4256,23 +4212,23 @@
       </p:cxnSp>
       <p:cxnSp>
         <p:nvCxnSpPr>
-          <p:cNvPr id="37" name="Connecteur : en arc 36">
-            <a:extLst>
-              <a:ext uri="{FF2B5EF4-FFF2-40B4-BE49-F238E27FC236}">
-                <a16:creationId xmlns:a16="http://schemas.microsoft.com/office/drawing/2014/main" id="{75BEE973-F5E0-4DCB-943B-15AA7F9FB712}"/>
+          <p:cNvPr id="51" name="Connecteur : en arc 50">
+            <a:extLst>
+              <a:ext uri="{FF2B5EF4-FFF2-40B4-BE49-F238E27FC236}">
+                <a16:creationId xmlns:a16="http://schemas.microsoft.com/office/drawing/2014/main" id="{01817E22-87AA-4C12-92A0-4B54C981F2EC}"/>
               </a:ext>
             </a:extLst>
           </p:cNvPr>
           <p:cNvCxnSpPr>
             <a:cxnSpLocks/>
-            <a:stCxn id="35" idx="4"/>
+            <a:stCxn id="52" idx="2"/>
           </p:cNvCxnSpPr>
           <p:nvPr/>
         </p:nvCxnSpPr>
         <p:spPr>
           <a:xfrm rot="16200000" flipH="1">
-            <a:off x="5284870" y="3426724"/>
-            <a:ext cx="162679" cy="136492"/>
+            <a:off x="5282450" y="3424300"/>
+            <a:ext cx="259878" cy="44135"/>
           </a:xfrm>
           <a:prstGeom prst="curvedConnector3">
             <a:avLst>
@@ -4296,6 +4252,55 @@
           </a:fontRef>
         </p:style>
       </p:cxnSp>
+      <p:sp>
+        <p:nvSpPr>
+          <p:cNvPr id="52" name="Rectangle : coins arrondis 51">
+            <a:extLst>
+              <a:ext uri="{FF2B5EF4-FFF2-40B4-BE49-F238E27FC236}">
+                <a16:creationId xmlns:a16="http://schemas.microsoft.com/office/drawing/2014/main" id="{9B9C13B5-0E52-46FB-A309-1ED0531B5EF2}"/>
+              </a:ext>
+            </a:extLst>
+          </p:cNvPr>
+          <p:cNvSpPr/>
+          <p:nvPr/>
+        </p:nvSpPr>
+        <p:spPr>
+          <a:xfrm>
+            <a:off x="4956313" y="3044299"/>
+            <a:ext cx="868017" cy="272130"/>
+          </a:xfrm>
+          <a:prstGeom prst="roundRect">
+            <a:avLst/>
+          </a:prstGeom>
+        </p:spPr>
+        <p:style>
+          <a:lnRef idx="2">
+            <a:schemeClr val="accent1">
+              <a:shade val="50000"/>
+            </a:schemeClr>
+          </a:lnRef>
+          <a:fillRef idx="1">
+            <a:schemeClr val="accent1"/>
+          </a:fillRef>
+          <a:effectRef idx="0">
+            <a:schemeClr val="accent1"/>
+          </a:effectRef>
+          <a:fontRef idx="minor">
+            <a:schemeClr val="lt1"/>
+          </a:fontRef>
+        </p:style>
+        <p:txBody>
+          <a:bodyPr rtlCol="0" anchor="ctr"/>
+          <a:lstStyle/>
+          <a:p>
+            <a:pPr algn="ctr"/>
+            <a:r>
+              <a:rPr lang="en-US"/>
+              <a:t>choice</a:t>
+            </a:r>
+          </a:p>
+        </p:txBody>
+      </p:sp>
     </p:spTree>
     <p:extLst>
       <p:ext uri="{BB962C8B-B14F-4D97-AF65-F5344CB8AC3E}">
